--- a/presentation/Apresentação_6055.pptx
+++ b/presentation/Apresentação_6055.pptx
@@ -1,11 +1,23 @@
 
 <file path=ppt/presentation.xml><?xml version="1.0" encoding="utf-8"?>
-<p:presentation xmlns:a="http://schemas.openxmlformats.org/drawingml/2006/main" xmlns:r="http://schemas.openxmlformats.org/officeDocument/2006/relationships" xmlns:p="http://schemas.openxmlformats.org/presentationml/2006/main" saveSubsetFonts="1">
+<p:presentation xmlns:a="http://schemas.openxmlformats.org/drawingml/2006/main" xmlns:r="http://schemas.openxmlformats.org/officeDocument/2006/relationships" xmlns:p="http://schemas.openxmlformats.org/presentationml/2006/main" showSpecialPlsOnTitleSld="0" saveSubsetFonts="1">
   <p:sldMasterIdLst>
-    <p:sldMasterId id="2147483660" r:id="rId1"/>
+    <p:sldMasterId id="2147483696" r:id="rId1"/>
   </p:sldMasterIdLst>
+  <p:notesMasterIdLst>
+    <p:notesMasterId r:id="rId12"/>
+  </p:notesMasterIdLst>
   <p:sldIdLst>
     <p:sldId id="256" r:id="rId2"/>
+    <p:sldId id="257" r:id="rId3"/>
+    <p:sldId id="258" r:id="rId4"/>
+    <p:sldId id="259" r:id="rId5"/>
+    <p:sldId id="260" r:id="rId6"/>
+    <p:sldId id="261" r:id="rId7"/>
+    <p:sldId id="262" r:id="rId8"/>
+    <p:sldId id="263" r:id="rId9"/>
+    <p:sldId id="264" r:id="rId10"/>
+    <p:sldId id="265" r:id="rId11"/>
   </p:sldIdLst>
   <p:sldSz cx="9144000" cy="6858000" type="screen4x3"/>
   <p:notesSz cx="6858000" cy="9144000"/>
@@ -105,6 +117,356 @@
     </a:lvl9pPr>
   </p:defaultTextStyle>
 </p:presentation>
+</file>
+
+<file path=ppt/notesMasters/notesMaster1.xml><?xml version="1.0" encoding="utf-8"?>
+<p:notesMaster xmlns:a="http://schemas.openxmlformats.org/drawingml/2006/main" xmlns:r="http://schemas.openxmlformats.org/officeDocument/2006/relationships" xmlns:p="http://schemas.openxmlformats.org/presentationml/2006/main">
+  <p:cSld>
+    <p:bg>
+      <p:bgRef idx="1001">
+        <a:schemeClr val="bg1"/>
+      </p:bgRef>
+    </p:bg>
+    <p:spTree>
+      <p:nvGrpSpPr>
+        <p:cNvPr id="1" name=""/>
+        <p:cNvGrpSpPr/>
+        <p:nvPr/>
+      </p:nvGrpSpPr>
+      <p:grpSpPr>
+        <a:xfrm>
+          <a:off x="0" y="0"/>
+          <a:ext cx="0" cy="0"/>
+          <a:chOff x="0" y="0"/>
+          <a:chExt cx="0" cy="0"/>
+        </a:xfrm>
+      </p:grpSpPr>
+      <p:sp>
+        <p:nvSpPr>
+          <p:cNvPr id="2" name="Marcador de Posição do Cabeçalho 1"/>
+          <p:cNvSpPr>
+            <a:spLocks noGrp="1"/>
+          </p:cNvSpPr>
+          <p:nvPr>
+            <p:ph type="hdr" sz="quarter"/>
+          </p:nvPr>
+        </p:nvSpPr>
+        <p:spPr>
+          <a:xfrm>
+            <a:off x="0" y="0"/>
+            <a:ext cx="2971800" cy="457200"/>
+          </a:xfrm>
+          <a:prstGeom prst="rect">
+            <a:avLst/>
+          </a:prstGeom>
+        </p:spPr>
+        <p:txBody>
+          <a:bodyPr vert="horz" lIns="91440" tIns="45720" rIns="91440" bIns="45720" rtlCol="0"/>
+          <a:lstStyle>
+            <a:lvl1pPr algn="l">
+              <a:defRPr sz="1200"/>
+            </a:lvl1pPr>
+          </a:lstStyle>
+          <a:p>
+            <a:endParaRPr lang="pt-PT"/>
+          </a:p>
+        </p:txBody>
+      </p:sp>
+      <p:sp>
+        <p:nvSpPr>
+          <p:cNvPr id="3" name="Marcador de Posição da Data 2"/>
+          <p:cNvSpPr>
+            <a:spLocks noGrp="1"/>
+          </p:cNvSpPr>
+          <p:nvPr>
+            <p:ph type="dt" idx="1"/>
+          </p:nvPr>
+        </p:nvSpPr>
+        <p:spPr>
+          <a:xfrm>
+            <a:off x="3884613" y="0"/>
+            <a:ext cx="2971800" cy="457200"/>
+          </a:xfrm>
+          <a:prstGeom prst="rect">
+            <a:avLst/>
+          </a:prstGeom>
+        </p:spPr>
+        <p:txBody>
+          <a:bodyPr vert="horz" lIns="91440" tIns="45720" rIns="91440" bIns="45720" rtlCol="0"/>
+          <a:lstStyle>
+            <a:lvl1pPr algn="r">
+              <a:defRPr sz="1200"/>
+            </a:lvl1pPr>
+          </a:lstStyle>
+          <a:p>
+            <a:fld id="{BD3F0295-D86B-4D58-8BF1-015B6D4450CF}" type="datetimeFigureOut">
+              <a:rPr lang="pt-PT" smtClean="0"/>
+              <a:t>24-01-2011</a:t>
+            </a:fld>
+            <a:endParaRPr lang="pt-PT"/>
+          </a:p>
+        </p:txBody>
+      </p:sp>
+      <p:sp>
+        <p:nvSpPr>
+          <p:cNvPr id="4" name="Marcador de Posição da Imagem do Diapositivo 3"/>
+          <p:cNvSpPr>
+            <a:spLocks noGrp="1" noRot="1" noChangeAspect="1"/>
+          </p:cNvSpPr>
+          <p:nvPr>
+            <p:ph type="sldImg" idx="2"/>
+          </p:nvPr>
+        </p:nvSpPr>
+        <p:spPr>
+          <a:xfrm>
+            <a:off x="1143000" y="685800"/>
+            <a:ext cx="4572000" cy="3429000"/>
+          </a:xfrm>
+          <a:prstGeom prst="rect">
+            <a:avLst/>
+          </a:prstGeom>
+          <a:noFill/>
+          <a:ln w="12700">
+            <a:solidFill>
+              <a:prstClr val="black"/>
+            </a:solidFill>
+          </a:ln>
+        </p:spPr>
+        <p:txBody>
+          <a:bodyPr vert="horz" lIns="91440" tIns="45720" rIns="91440" bIns="45720" rtlCol="0" anchor="ctr"/>
+          <a:lstStyle/>
+          <a:p>
+            <a:endParaRPr lang="pt-PT"/>
+          </a:p>
+        </p:txBody>
+      </p:sp>
+      <p:sp>
+        <p:nvSpPr>
+          <p:cNvPr id="5" name="Marcador de Posição de Notas 4"/>
+          <p:cNvSpPr>
+            <a:spLocks noGrp="1"/>
+          </p:cNvSpPr>
+          <p:nvPr>
+            <p:ph type="body" sz="quarter" idx="3"/>
+          </p:nvPr>
+        </p:nvSpPr>
+        <p:spPr>
+          <a:xfrm>
+            <a:off x="685800" y="4343400"/>
+            <a:ext cx="5486400" cy="4114800"/>
+          </a:xfrm>
+          <a:prstGeom prst="rect">
+            <a:avLst/>
+          </a:prstGeom>
+        </p:spPr>
+        <p:txBody>
+          <a:bodyPr vert="horz" lIns="91440" tIns="45720" rIns="91440" bIns="45720" rtlCol="0"/>
+          <a:lstStyle/>
+          <a:p>
+            <a:pPr lvl="0"/>
+            <a:r>
+              <a:rPr lang="pt-PT" smtClean="0"/>
+              <a:t>Clique para editar os estilos</a:t>
+            </a:r>
+          </a:p>
+          <a:p>
+            <a:pPr lvl="1"/>
+            <a:r>
+              <a:rPr lang="pt-PT" smtClean="0"/>
+              <a:t>Segundo nível</a:t>
+            </a:r>
+          </a:p>
+          <a:p>
+            <a:pPr lvl="2"/>
+            <a:r>
+              <a:rPr lang="pt-PT" smtClean="0"/>
+              <a:t>Terceiro nível</a:t>
+            </a:r>
+          </a:p>
+          <a:p>
+            <a:pPr lvl="3"/>
+            <a:r>
+              <a:rPr lang="pt-PT" smtClean="0"/>
+              <a:t>Quarto nível</a:t>
+            </a:r>
+          </a:p>
+          <a:p>
+            <a:pPr lvl="4"/>
+            <a:r>
+              <a:rPr lang="pt-PT" smtClean="0"/>
+              <a:t>Quinto nível</a:t>
+            </a:r>
+            <a:endParaRPr lang="pt-PT"/>
+          </a:p>
+        </p:txBody>
+      </p:sp>
+      <p:sp>
+        <p:nvSpPr>
+          <p:cNvPr id="6" name="Marcador de Posição do Rodapé 5"/>
+          <p:cNvSpPr>
+            <a:spLocks noGrp="1"/>
+          </p:cNvSpPr>
+          <p:nvPr>
+            <p:ph type="ftr" sz="quarter" idx="4"/>
+          </p:nvPr>
+        </p:nvSpPr>
+        <p:spPr>
+          <a:xfrm>
+            <a:off x="0" y="8685213"/>
+            <a:ext cx="2971800" cy="457200"/>
+          </a:xfrm>
+          <a:prstGeom prst="rect">
+            <a:avLst/>
+          </a:prstGeom>
+        </p:spPr>
+        <p:txBody>
+          <a:bodyPr vert="horz" lIns="91440" tIns="45720" rIns="91440" bIns="45720" rtlCol="0" anchor="b"/>
+          <a:lstStyle>
+            <a:lvl1pPr algn="l">
+              <a:defRPr sz="1200"/>
+            </a:lvl1pPr>
+          </a:lstStyle>
+          <a:p>
+            <a:endParaRPr lang="pt-PT"/>
+          </a:p>
+        </p:txBody>
+      </p:sp>
+      <p:sp>
+        <p:nvSpPr>
+          <p:cNvPr id="7" name="Marcador de Posição do Número do Diapositivo 6"/>
+          <p:cNvSpPr>
+            <a:spLocks noGrp="1"/>
+          </p:cNvSpPr>
+          <p:nvPr>
+            <p:ph type="sldNum" sz="quarter" idx="5"/>
+          </p:nvPr>
+        </p:nvSpPr>
+        <p:spPr>
+          <a:xfrm>
+            <a:off x="3884613" y="8685213"/>
+            <a:ext cx="2971800" cy="457200"/>
+          </a:xfrm>
+          <a:prstGeom prst="rect">
+            <a:avLst/>
+          </a:prstGeom>
+        </p:spPr>
+        <p:txBody>
+          <a:bodyPr vert="horz" lIns="91440" tIns="45720" rIns="91440" bIns="45720" rtlCol="0" anchor="b"/>
+          <a:lstStyle>
+            <a:lvl1pPr algn="r">
+              <a:defRPr sz="1200"/>
+            </a:lvl1pPr>
+          </a:lstStyle>
+          <a:p>
+            <a:fld id="{88EE22FD-9DD6-4948-B6AC-7C4AD1E76C7B}" type="slidenum">
+              <a:rPr lang="pt-PT" smtClean="0"/>
+              <a:t>‹nº›</a:t>
+            </a:fld>
+            <a:endParaRPr lang="pt-PT"/>
+          </a:p>
+        </p:txBody>
+      </p:sp>
+    </p:spTree>
+    <p:extLst>
+      <p:ext uri="{BB962C8B-B14F-4D97-AF65-F5344CB8AC3E}">
+        <p14:creationId xmlns:p14="http://schemas.microsoft.com/office/powerpoint/2010/main" val="3804476418"/>
+      </p:ext>
+    </p:extLst>
+  </p:cSld>
+  <p:clrMap bg1="lt1" tx1="dk1" bg2="lt2" tx2="dk2" accent1="accent1" accent2="accent2" accent3="accent3" accent4="accent4" accent5="accent5" accent6="accent6" hlink="hlink" folHlink="folHlink"/>
+  <p:notesStyle>
+    <a:lvl1pPr marL="0" algn="l" defTabSz="914400" rtl="0" eaLnBrk="1" latinLnBrk="0" hangingPunct="1">
+      <a:defRPr sz="1200" kern="1200">
+        <a:solidFill>
+          <a:schemeClr val="tx1"/>
+        </a:solidFill>
+        <a:latin typeface="+mn-lt"/>
+        <a:ea typeface="+mn-ea"/>
+        <a:cs typeface="+mn-cs"/>
+      </a:defRPr>
+    </a:lvl1pPr>
+    <a:lvl2pPr marL="457200" algn="l" defTabSz="914400" rtl="0" eaLnBrk="1" latinLnBrk="0" hangingPunct="1">
+      <a:defRPr sz="1200" kern="1200">
+        <a:solidFill>
+          <a:schemeClr val="tx1"/>
+        </a:solidFill>
+        <a:latin typeface="+mn-lt"/>
+        <a:ea typeface="+mn-ea"/>
+        <a:cs typeface="+mn-cs"/>
+      </a:defRPr>
+    </a:lvl2pPr>
+    <a:lvl3pPr marL="914400" algn="l" defTabSz="914400" rtl="0" eaLnBrk="1" latinLnBrk="0" hangingPunct="1">
+      <a:defRPr sz="1200" kern="1200">
+        <a:solidFill>
+          <a:schemeClr val="tx1"/>
+        </a:solidFill>
+        <a:latin typeface="+mn-lt"/>
+        <a:ea typeface="+mn-ea"/>
+        <a:cs typeface="+mn-cs"/>
+      </a:defRPr>
+    </a:lvl3pPr>
+    <a:lvl4pPr marL="1371600" algn="l" defTabSz="914400" rtl="0" eaLnBrk="1" latinLnBrk="0" hangingPunct="1">
+      <a:defRPr sz="1200" kern="1200">
+        <a:solidFill>
+          <a:schemeClr val="tx1"/>
+        </a:solidFill>
+        <a:latin typeface="+mn-lt"/>
+        <a:ea typeface="+mn-ea"/>
+        <a:cs typeface="+mn-cs"/>
+      </a:defRPr>
+    </a:lvl4pPr>
+    <a:lvl5pPr marL="1828800" algn="l" defTabSz="914400" rtl="0" eaLnBrk="1" latinLnBrk="0" hangingPunct="1">
+      <a:defRPr sz="1200" kern="1200">
+        <a:solidFill>
+          <a:schemeClr val="tx1"/>
+        </a:solidFill>
+        <a:latin typeface="+mn-lt"/>
+        <a:ea typeface="+mn-ea"/>
+        <a:cs typeface="+mn-cs"/>
+      </a:defRPr>
+    </a:lvl5pPr>
+    <a:lvl6pPr marL="2286000" algn="l" defTabSz="914400" rtl="0" eaLnBrk="1" latinLnBrk="0" hangingPunct="1">
+      <a:defRPr sz="1200" kern="1200">
+        <a:solidFill>
+          <a:schemeClr val="tx1"/>
+        </a:solidFill>
+        <a:latin typeface="+mn-lt"/>
+        <a:ea typeface="+mn-ea"/>
+        <a:cs typeface="+mn-cs"/>
+      </a:defRPr>
+    </a:lvl6pPr>
+    <a:lvl7pPr marL="2743200" algn="l" defTabSz="914400" rtl="0" eaLnBrk="1" latinLnBrk="0" hangingPunct="1">
+      <a:defRPr sz="1200" kern="1200">
+        <a:solidFill>
+          <a:schemeClr val="tx1"/>
+        </a:solidFill>
+        <a:latin typeface="+mn-lt"/>
+        <a:ea typeface="+mn-ea"/>
+        <a:cs typeface="+mn-cs"/>
+      </a:defRPr>
+    </a:lvl7pPr>
+    <a:lvl8pPr marL="3200400" algn="l" defTabSz="914400" rtl="0" eaLnBrk="1" latinLnBrk="0" hangingPunct="1">
+      <a:defRPr sz="1200" kern="1200">
+        <a:solidFill>
+          <a:schemeClr val="tx1"/>
+        </a:solidFill>
+        <a:latin typeface="+mn-lt"/>
+        <a:ea typeface="+mn-ea"/>
+        <a:cs typeface="+mn-cs"/>
+      </a:defRPr>
+    </a:lvl8pPr>
+    <a:lvl9pPr marL="3657600" algn="l" defTabSz="914400" rtl="0" eaLnBrk="1" latinLnBrk="0" hangingPunct="1">
+      <a:defRPr sz="1200" kern="1200">
+        <a:solidFill>
+          <a:schemeClr val="tx1"/>
+        </a:solidFill>
+        <a:latin typeface="+mn-lt"/>
+        <a:ea typeface="+mn-ea"/>
+        <a:cs typeface="+mn-cs"/>
+      </a:defRPr>
+    </a:lvl9pPr>
+  </p:notesStyle>
+</p:notesMaster>
 </file>
 
 <file path=ppt/slideLayouts/slideLayout1.xml><?xml version="1.0" encoding="utf-8"?>
@@ -573,9 +935,9 @@
           <a:bodyPr/>
           <a:lstStyle/>
           <a:p>
-            <a:fld id="{57DD1A75-A55E-40AD-B87F-E2643EDC2929}" type="datetimeFigureOut">
-              <a:rPr lang="pt-PT" smtClean="0"/>
-              <a:t>20-01-2011</a:t>
+            <a:fld id="{13C2CF4E-F74F-4453-90A3-E9D251020C76}" type="datetime1">
+              <a:rPr lang="pt-PT" smtClean="0"/>
+              <a:t>24-01-2011</a:t>
             </a:fld>
             <a:endParaRPr lang="pt-PT"/>
           </a:p>
@@ -596,6 +958,10 @@
           <a:bodyPr/>
           <a:lstStyle/>
           <a:p>
+            <a:r>
+              <a:rPr lang="pt-PT" smtClean="0"/>
+              <a:t>ESTIG 2010-2011 Pedro Faísco</a:t>
+            </a:r>
             <a:endParaRPr lang="pt-PT"/>
           </a:p>
         </p:txBody>
@@ -738,9 +1104,9 @@
           <a:bodyPr/>
           <a:lstStyle/>
           <a:p>
-            <a:fld id="{57DD1A75-A55E-40AD-B87F-E2643EDC2929}" type="datetimeFigureOut">
-              <a:rPr lang="pt-PT" smtClean="0"/>
-              <a:t>20-01-2011</a:t>
+            <a:fld id="{40F14307-C19E-491E-A783-04C78DB35CA6}" type="datetime1">
+              <a:rPr lang="pt-PT" smtClean="0"/>
+              <a:t>24-01-2011</a:t>
             </a:fld>
             <a:endParaRPr lang="pt-PT"/>
           </a:p>
@@ -761,6 +1127,10 @@
           <a:bodyPr/>
           <a:lstStyle/>
           <a:p>
+            <a:r>
+              <a:rPr lang="pt-PT" smtClean="0"/>
+              <a:t>ESTIG 2010-2011 Pedro Faísco</a:t>
+            </a:r>
             <a:endParaRPr lang="pt-PT"/>
           </a:p>
         </p:txBody>
@@ -913,9 +1283,9 @@
           <a:bodyPr/>
           <a:lstStyle/>
           <a:p>
-            <a:fld id="{57DD1A75-A55E-40AD-B87F-E2643EDC2929}" type="datetimeFigureOut">
-              <a:rPr lang="pt-PT" smtClean="0"/>
-              <a:t>20-01-2011</a:t>
+            <a:fld id="{2679568F-EDE5-4ED8-A8FD-830EDCC271AD}" type="datetime1">
+              <a:rPr lang="pt-PT" smtClean="0"/>
+              <a:t>24-01-2011</a:t>
             </a:fld>
             <a:endParaRPr lang="pt-PT"/>
           </a:p>
@@ -936,6 +1306,10 @@
           <a:bodyPr/>
           <a:lstStyle/>
           <a:p>
+            <a:r>
+              <a:rPr lang="pt-PT" smtClean="0"/>
+              <a:t>ESTIG 2010-2011 Pedro Faísco</a:t>
+            </a:r>
             <a:endParaRPr lang="pt-PT"/>
           </a:p>
         </p:txBody>
@@ -1078,9 +1452,9 @@
           <a:bodyPr/>
           <a:lstStyle/>
           <a:p>
-            <a:fld id="{57DD1A75-A55E-40AD-B87F-E2643EDC2929}" type="datetimeFigureOut">
-              <a:rPr lang="pt-PT" smtClean="0"/>
-              <a:t>20-01-2011</a:t>
+            <a:fld id="{B1AC62C5-79BC-40C7-AE3F-B1CE41030180}" type="datetime1">
+              <a:rPr lang="pt-PT" smtClean="0"/>
+              <a:t>24-01-2011</a:t>
             </a:fld>
             <a:endParaRPr lang="pt-PT"/>
           </a:p>
@@ -1101,6 +1475,10 @@
           <a:bodyPr/>
           <a:lstStyle/>
           <a:p>
+            <a:r>
+              <a:rPr lang="pt-PT" smtClean="0"/>
+              <a:t>ESTIG 2010-2011 Pedro Faísco</a:t>
+            </a:r>
             <a:endParaRPr lang="pt-PT"/>
           </a:p>
         </p:txBody>
@@ -1631,9 +2009,9 @@
           <a:bodyPr/>
           <a:lstStyle/>
           <a:p>
-            <a:fld id="{57DD1A75-A55E-40AD-B87F-E2643EDC2929}" type="datetimeFigureOut">
-              <a:rPr lang="pt-PT" smtClean="0"/>
-              <a:t>20-01-2011</a:t>
+            <a:fld id="{B9DB63E6-9786-422D-9644-EA56496599FC}" type="datetime1">
+              <a:rPr lang="pt-PT" smtClean="0"/>
+              <a:t>24-01-2011</a:t>
             </a:fld>
             <a:endParaRPr lang="pt-PT"/>
           </a:p>
@@ -1654,6 +2032,10 @@
           <a:bodyPr/>
           <a:lstStyle/>
           <a:p>
+            <a:r>
+              <a:rPr lang="pt-PT" smtClean="0"/>
+              <a:t>ESTIG 2010-2011 Pedro Faísco</a:t>
+            </a:r>
             <a:endParaRPr lang="pt-PT"/>
           </a:p>
         </p:txBody>
@@ -1891,9 +2273,9 @@
           <a:bodyPr/>
           <a:lstStyle/>
           <a:p>
-            <a:fld id="{57DD1A75-A55E-40AD-B87F-E2643EDC2929}" type="datetimeFigureOut">
-              <a:rPr lang="pt-PT" smtClean="0"/>
-              <a:t>20-01-2011</a:t>
+            <a:fld id="{D686FAD5-41DA-4DC5-9CAE-7F55B6694220}" type="datetime1">
+              <a:rPr lang="pt-PT" smtClean="0"/>
+              <a:t>24-01-2011</a:t>
             </a:fld>
             <a:endParaRPr lang="pt-PT"/>
           </a:p>
@@ -1914,6 +2296,10 @@
           <a:bodyPr/>
           <a:lstStyle/>
           <a:p>
+            <a:r>
+              <a:rPr lang="pt-PT" smtClean="0"/>
+              <a:t>ESTIG 2010-2011 Pedro Faísco</a:t>
+            </a:r>
             <a:endParaRPr lang="pt-PT"/>
           </a:p>
         </p:txBody>
@@ -2379,9 +2765,9 @@
           <a:bodyPr/>
           <a:lstStyle/>
           <a:p>
-            <a:fld id="{57DD1A75-A55E-40AD-B87F-E2643EDC2929}" type="datetimeFigureOut">
-              <a:rPr lang="pt-PT" smtClean="0"/>
-              <a:t>20-01-2011</a:t>
+            <a:fld id="{0C160B51-5DC9-4B65-AAE4-44AF7506FB6C}" type="datetime1">
+              <a:rPr lang="pt-PT" smtClean="0"/>
+              <a:t>24-01-2011</a:t>
             </a:fld>
             <a:endParaRPr lang="pt-PT"/>
           </a:p>
@@ -2402,6 +2788,10 @@
           <a:bodyPr/>
           <a:lstStyle/>
           <a:p>
+            <a:r>
+              <a:rPr lang="pt-PT" smtClean="0"/>
+              <a:t>ESTIG 2010-2011 Pedro Faísco</a:t>
+            </a:r>
             <a:endParaRPr lang="pt-PT"/>
           </a:p>
         </p:txBody>
@@ -2492,9 +2882,9 @@
           <a:bodyPr/>
           <a:lstStyle/>
           <a:p>
-            <a:fld id="{57DD1A75-A55E-40AD-B87F-E2643EDC2929}" type="datetimeFigureOut">
-              <a:rPr lang="pt-PT" smtClean="0"/>
-              <a:t>20-01-2011</a:t>
+            <a:fld id="{6BFD2B31-165B-44AB-AE4C-8D1C9B8B5693}" type="datetime1">
+              <a:rPr lang="pt-PT" smtClean="0"/>
+              <a:t>24-01-2011</a:t>
             </a:fld>
             <a:endParaRPr lang="pt-PT"/>
           </a:p>
@@ -2515,6 +2905,10 @@
           <a:bodyPr/>
           <a:lstStyle/>
           <a:p>
+            <a:r>
+              <a:rPr lang="pt-PT" smtClean="0"/>
+              <a:t>ESTIG 2010-2011 Pedro Faísco</a:t>
+            </a:r>
             <a:endParaRPr lang="pt-PT"/>
           </a:p>
         </p:txBody>
@@ -2582,9 +2976,9 @@
           <a:bodyPr/>
           <a:lstStyle/>
           <a:p>
-            <a:fld id="{57DD1A75-A55E-40AD-B87F-E2643EDC2929}" type="datetimeFigureOut">
-              <a:rPr lang="pt-PT" smtClean="0"/>
-              <a:t>20-01-2011</a:t>
+            <a:fld id="{F428BC6F-4CC1-4978-B3E8-CD3CDB76A0E3}" type="datetime1">
+              <a:rPr lang="pt-PT" smtClean="0"/>
+              <a:t>24-01-2011</a:t>
             </a:fld>
             <a:endParaRPr lang="pt-PT"/>
           </a:p>
@@ -2605,6 +2999,10 @@
           <a:bodyPr/>
           <a:lstStyle/>
           <a:p>
+            <a:r>
+              <a:rPr lang="pt-PT" smtClean="0"/>
+              <a:t>ESTIG 2010-2011 Pedro Faísco</a:t>
+            </a:r>
             <a:endParaRPr lang="pt-PT"/>
           </a:p>
         </p:txBody>
@@ -3012,9 +3410,9 @@
           <a:bodyPr/>
           <a:lstStyle/>
           <a:p>
-            <a:fld id="{57DD1A75-A55E-40AD-B87F-E2643EDC2929}" type="datetimeFigureOut">
-              <a:rPr lang="pt-PT" smtClean="0"/>
-              <a:t>20-01-2011</a:t>
+            <a:fld id="{092564BB-24F2-445C-A319-8559AA7DD0AB}" type="datetime1">
+              <a:rPr lang="pt-PT" smtClean="0"/>
+              <a:t>24-01-2011</a:t>
             </a:fld>
             <a:endParaRPr lang="pt-PT"/>
           </a:p>
@@ -3043,6 +3441,10 @@
             </a:lvl1pPr>
           </a:lstStyle>
           <a:p>
+            <a:r>
+              <a:rPr lang="pt-PT" smtClean="0"/>
+              <a:t>ESTIG 2010-2011 Pedro Faísco</a:t>
+            </a:r>
             <a:endParaRPr lang="pt-PT"/>
           </a:p>
         </p:txBody>
@@ -3545,9 +3947,9 @@
           <a:bodyPr/>
           <a:lstStyle/>
           <a:p>
-            <a:fld id="{57DD1A75-A55E-40AD-B87F-E2643EDC2929}" type="datetimeFigureOut">
-              <a:rPr lang="pt-PT" smtClean="0"/>
-              <a:t>20-01-2011</a:t>
+            <a:fld id="{9C9F6CBB-A560-4A8C-A4B2-AFF74E394AB6}" type="datetime1">
+              <a:rPr lang="pt-PT" smtClean="0"/>
+              <a:t>24-01-2011</a:t>
             </a:fld>
             <a:endParaRPr lang="pt-PT"/>
           </a:p>
@@ -3568,6 +3970,10 @@
           <a:bodyPr/>
           <a:lstStyle/>
           <a:p>
+            <a:r>
+              <a:rPr lang="pt-PT" smtClean="0"/>
+              <a:t>ESTIG 2010-2011 Pedro Faísco</a:t>
+            </a:r>
             <a:endParaRPr lang="pt-PT"/>
           </a:p>
         </p:txBody>
@@ -4385,9 +4791,9 @@
             </a:lvl1pPr>
           </a:lstStyle>
           <a:p>
-            <a:fld id="{57DD1A75-A55E-40AD-B87F-E2643EDC2929}" type="datetimeFigureOut">
-              <a:rPr lang="pt-PT" smtClean="0"/>
-              <a:t>20-01-2011</a:t>
+            <a:fld id="{15E3ABD0-EE71-4A0E-92F5-4A0773F0B17C}" type="datetime1">
+              <a:rPr lang="pt-PT" smtClean="0"/>
+              <a:t>24-01-2011</a:t>
             </a:fld>
             <a:endParaRPr lang="pt-PT"/>
           </a:p>
@@ -4424,6 +4830,10 @@
             </a:lvl1pPr>
           </a:lstStyle>
           <a:p>
+            <a:r>
+              <a:rPr lang="pt-PT" smtClean="0"/>
+              <a:t>ESTIG 2010-2011 Pedro Faísco</a:t>
+            </a:r>
             <a:endParaRPr lang="pt-PT"/>
           </a:p>
         </p:txBody>
@@ -4478,18 +4888,19 @@
   </p:cSld>
   <p:clrMap bg1="lt1" tx1="dk1" bg2="lt2" tx2="dk2" accent1="accent1" accent2="accent2" accent3="accent3" accent4="accent4" accent5="accent5" accent6="accent6" hlink="hlink" folHlink="folHlink"/>
   <p:sldLayoutIdLst>
-    <p:sldLayoutId id="2147483661" r:id="rId1"/>
-    <p:sldLayoutId id="2147483662" r:id="rId2"/>
-    <p:sldLayoutId id="2147483663" r:id="rId3"/>
-    <p:sldLayoutId id="2147483664" r:id="rId4"/>
-    <p:sldLayoutId id="2147483665" r:id="rId5"/>
-    <p:sldLayoutId id="2147483666" r:id="rId6"/>
-    <p:sldLayoutId id="2147483667" r:id="rId7"/>
-    <p:sldLayoutId id="2147483668" r:id="rId8"/>
-    <p:sldLayoutId id="2147483669" r:id="rId9"/>
-    <p:sldLayoutId id="2147483670" r:id="rId10"/>
-    <p:sldLayoutId id="2147483671" r:id="rId11"/>
+    <p:sldLayoutId id="2147483697" r:id="rId1"/>
+    <p:sldLayoutId id="2147483698" r:id="rId2"/>
+    <p:sldLayoutId id="2147483699" r:id="rId3"/>
+    <p:sldLayoutId id="2147483700" r:id="rId4"/>
+    <p:sldLayoutId id="2147483701" r:id="rId5"/>
+    <p:sldLayoutId id="2147483702" r:id="rId6"/>
+    <p:sldLayoutId id="2147483703" r:id="rId7"/>
+    <p:sldLayoutId id="2147483704" r:id="rId8"/>
+    <p:sldLayoutId id="2147483705" r:id="rId9"/>
+    <p:sldLayoutId id="2147483706" r:id="rId10"/>
+    <p:sldLayoutId id="2147483707" r:id="rId11"/>
   </p:sldLayoutIdLst>
+  <p:hf sldNum="0" hdr="0" dt="0"/>
   <p:txStyles>
     <p:titleStyle>
       <a:lvl1pPr algn="l" defTabSz="914400" rtl="0" eaLnBrk="1" latinLnBrk="0" hangingPunct="1">
@@ -4796,7 +5207,9 @@
         </p:nvSpPr>
         <p:spPr/>
         <p:txBody>
-          <a:bodyPr/>
+          <a:bodyPr>
+            <a:normAutofit/>
+          </a:bodyPr>
           <a:lstStyle/>
           <a:p>
             <a:r>
@@ -4947,48 +5360,1369 @@
   <p:clrMapOvr>
     <a:masterClrMapping/>
   </p:clrMapOvr>
+  <p:timing>
+    <p:tnLst>
+      <p:par>
+        <p:cTn id="1" dur="indefinite" restart="never" nodeType="tmRoot"/>
+      </p:par>
+    </p:tnLst>
+  </p:timing>
+</p:sld>
+</file>
+
+<file path=ppt/slides/slide10.xml><?xml version="1.0" encoding="utf-8"?>
+<p:sld xmlns:a="http://schemas.openxmlformats.org/drawingml/2006/main" xmlns:r="http://schemas.openxmlformats.org/officeDocument/2006/relationships" xmlns:p="http://schemas.openxmlformats.org/presentationml/2006/main">
+  <p:cSld>
+    <p:spTree>
+      <p:nvGrpSpPr>
+        <p:cNvPr id="1" name=""/>
+        <p:cNvGrpSpPr/>
+        <p:nvPr/>
+      </p:nvGrpSpPr>
+      <p:grpSpPr>
+        <a:xfrm>
+          <a:off x="0" y="0"/>
+          <a:ext cx="0" cy="0"/>
+          <a:chOff x="0" y="0"/>
+          <a:chExt cx="0" cy="0"/>
+        </a:xfrm>
+      </p:grpSpPr>
+      <p:sp>
+        <p:nvSpPr>
+          <p:cNvPr id="2" name="Título 1"/>
+          <p:cNvSpPr>
+            <a:spLocks noGrp="1"/>
+          </p:cNvSpPr>
+          <p:nvPr>
+            <p:ph type="title"/>
+          </p:nvPr>
+        </p:nvSpPr>
+        <p:spPr/>
+        <p:txBody>
+          <a:bodyPr/>
+          <a:lstStyle/>
+          <a:p>
+            <a:pPr algn="ctr"/>
+            <a:r>
+              <a:rPr lang="pt-PT" dirty="0"/>
+              <a:t>Rotulagem dos Componentes</a:t>
+            </a:r>
+            <a:br>
+              <a:rPr lang="pt-PT" dirty="0"/>
+            </a:br>
+            <a:r>
+              <a:rPr lang="pt-PT" dirty="0"/>
+              <a:t> Conexos em imagens</a:t>
+            </a:r>
+          </a:p>
+        </p:txBody>
+      </p:sp>
+      <p:sp>
+        <p:nvSpPr>
+          <p:cNvPr id="3" name="Marcador de Posição de Conteúdo 2"/>
+          <p:cNvSpPr>
+            <a:spLocks noGrp="1"/>
+          </p:cNvSpPr>
+          <p:nvPr>
+            <p:ph idx="1"/>
+          </p:nvPr>
+        </p:nvSpPr>
+        <p:spPr/>
+        <p:txBody>
+          <a:bodyPr/>
+          <a:lstStyle/>
+          <a:p>
+            <a:endParaRPr lang="pt-PT"/>
+          </a:p>
+        </p:txBody>
+      </p:sp>
+      <p:sp>
+        <p:nvSpPr>
+          <p:cNvPr id="4" name="Marcador de Posição do Rodapé 3"/>
+          <p:cNvSpPr>
+            <a:spLocks noGrp="1"/>
+          </p:cNvSpPr>
+          <p:nvPr>
+            <p:ph type="ftr" sz="quarter" idx="11"/>
+          </p:nvPr>
+        </p:nvSpPr>
+        <p:spPr/>
+        <p:txBody>
+          <a:bodyPr/>
+          <a:lstStyle/>
+          <a:p>
+            <a:r>
+              <a:rPr lang="pt-PT" smtClean="0"/>
+              <a:t>ESTIG 2010-2011 Pedro Faísco</a:t>
+            </a:r>
+            <a:endParaRPr lang="pt-PT"/>
+          </a:p>
+        </p:txBody>
+      </p:sp>
+    </p:spTree>
+    <p:extLst>
+      <p:ext uri="{BB962C8B-B14F-4D97-AF65-F5344CB8AC3E}">
+        <p14:creationId xmlns:p14="http://schemas.microsoft.com/office/powerpoint/2010/main" val="844972681"/>
+      </p:ext>
+    </p:extLst>
+  </p:cSld>
+  <p:clrMapOvr>
+    <a:masterClrMapping/>
+  </p:clrMapOvr>
+  <p:timing>
+    <p:tnLst>
+      <p:par>
+        <p:cTn id="1" dur="indefinite" restart="never" nodeType="tmRoot"/>
+      </p:par>
+    </p:tnLst>
+  </p:timing>
+</p:sld>
+</file>
+
+<file path=ppt/slides/slide2.xml><?xml version="1.0" encoding="utf-8"?>
+<p:sld xmlns:a="http://schemas.openxmlformats.org/drawingml/2006/main" xmlns:r="http://schemas.openxmlformats.org/officeDocument/2006/relationships" xmlns:p="http://schemas.openxmlformats.org/presentationml/2006/main">
+  <p:cSld>
+    <p:spTree>
+      <p:nvGrpSpPr>
+        <p:cNvPr id="1" name=""/>
+        <p:cNvGrpSpPr/>
+        <p:nvPr/>
+      </p:nvGrpSpPr>
+      <p:grpSpPr>
+        <a:xfrm>
+          <a:off x="0" y="0"/>
+          <a:ext cx="0" cy="0"/>
+          <a:chOff x="0" y="0"/>
+          <a:chExt cx="0" cy="0"/>
+        </a:xfrm>
+      </p:grpSpPr>
+      <p:sp>
+        <p:nvSpPr>
+          <p:cNvPr id="2" name="Título 1"/>
+          <p:cNvSpPr>
+            <a:spLocks noGrp="1"/>
+          </p:cNvSpPr>
+          <p:nvPr>
+            <p:ph type="title"/>
+          </p:nvPr>
+        </p:nvSpPr>
+        <p:spPr/>
+        <p:txBody>
+          <a:bodyPr>
+            <a:normAutofit fontScale="90000"/>
+          </a:bodyPr>
+          <a:lstStyle/>
+          <a:p>
+            <a:pPr algn="ctr"/>
+            <a:r>
+              <a:rPr lang="pt-PT" dirty="0" smtClean="0"/>
+              <a:t>Rotulagem dos Componentes</a:t>
+            </a:r>
+            <a:br>
+              <a:rPr lang="pt-PT" dirty="0" smtClean="0"/>
+            </a:br>
+            <a:r>
+              <a:rPr lang="pt-PT" dirty="0" smtClean="0"/>
+              <a:t> Conexos em imagens</a:t>
+            </a:r>
+            <a:endParaRPr lang="pt-PT" dirty="0"/>
+          </a:p>
+        </p:txBody>
+      </p:sp>
+      <p:sp>
+        <p:nvSpPr>
+          <p:cNvPr id="3" name="Marcador de Posição de Conteúdo 2"/>
+          <p:cNvSpPr>
+            <a:spLocks noGrp="1"/>
+          </p:cNvSpPr>
+          <p:nvPr>
+            <p:ph idx="1"/>
+          </p:nvPr>
+        </p:nvSpPr>
+        <p:spPr>
+          <a:xfrm>
+            <a:off x="827584" y="1700808"/>
+            <a:ext cx="7520940" cy="3579849"/>
+          </a:xfrm>
+        </p:spPr>
+        <p:txBody>
+          <a:bodyPr>
+            <a:normAutofit/>
+          </a:bodyPr>
+          <a:lstStyle/>
+          <a:p>
+            <a:r>
+              <a:rPr lang="pt-PT" dirty="0" smtClean="0"/>
+              <a:t>Algoritmo das duas passagens:</a:t>
+            </a:r>
+          </a:p>
+          <a:p>
+            <a:r>
+              <a:rPr lang="pt-PT" dirty="0" smtClean="0"/>
+              <a:t>Percorre uma imagem pixel a pixel</a:t>
+            </a:r>
+          </a:p>
+          <a:p>
+            <a:pPr marL="342900" lvl="1" indent="-342900"/>
+            <a:r>
+              <a:rPr lang="pt-PT" dirty="0"/>
+              <a:t>Primeira Passagem;</a:t>
+            </a:r>
+          </a:p>
+          <a:p>
+            <a:pPr marL="571500" lvl="3" indent="-342900">
+              <a:buFont typeface="+mj-lt"/>
+              <a:buAutoNum type="arabicPeriod"/>
+            </a:pPr>
+            <a:r>
+              <a:rPr lang="pt-PT" dirty="0"/>
+              <a:t>Marca os pixéis que não são pretos com um rotulo numérico;</a:t>
+            </a:r>
+          </a:p>
+          <a:p>
+            <a:pPr marL="809244" lvl="5" indent="-342900">
+              <a:buFont typeface="+mj-lt"/>
+              <a:buAutoNum type="arabicPeriod"/>
+            </a:pPr>
+            <a:r>
+              <a:rPr lang="pt-PT" dirty="0"/>
+              <a:t>Se tiver vizinhos, marca o pixel com o rotulo do vizinho mais pequeno e adiciona todos os vizinhos à lista de equivalências;</a:t>
+            </a:r>
+          </a:p>
+          <a:p>
+            <a:pPr marL="809244" lvl="5" indent="-342900">
+              <a:buFont typeface="+mj-lt"/>
+              <a:buAutoNum type="arabicPeriod"/>
+            </a:pPr>
+            <a:r>
+              <a:rPr lang="pt-PT" dirty="0"/>
+              <a:t>Se não tiver vizinhos, aumenta o numero do rotulo e marca-o;</a:t>
+            </a:r>
+          </a:p>
+          <a:p>
+            <a:pPr marL="342900" lvl="1" indent="-342900"/>
+            <a:r>
+              <a:rPr lang="pt-PT" dirty="0"/>
+              <a:t>Segunda Passagem:</a:t>
+            </a:r>
+          </a:p>
+          <a:p>
+            <a:pPr marL="571500" lvl="3" indent="-342900">
+              <a:buFont typeface="+mj-lt"/>
+              <a:buAutoNum type="arabicPeriod"/>
+            </a:pPr>
+            <a:r>
+              <a:rPr lang="pt-PT" dirty="0"/>
+              <a:t>Lê o rotulo do pixel e verifica se existe na lista de equivalências:</a:t>
+            </a:r>
+          </a:p>
+          <a:p>
+            <a:pPr marL="809244" lvl="5" indent="-342900">
+              <a:buFont typeface="+mj-lt"/>
+              <a:buAutoNum type="arabicPeriod"/>
+            </a:pPr>
+            <a:r>
+              <a:rPr lang="pt-PT" dirty="0"/>
+              <a:t>Se estiver na lista atribui uma cor a esse conjunto de cores e pinta-os com essa cor;</a:t>
+            </a:r>
+          </a:p>
+          <a:p>
+            <a:pPr marL="809244" lvl="5" indent="-342900">
+              <a:buFont typeface="+mj-lt"/>
+              <a:buAutoNum type="arabicPeriod"/>
+            </a:pPr>
+            <a:r>
+              <a:rPr lang="pt-PT" dirty="0"/>
+              <a:t>Se não estiver na lista atribui uma cor a esse rotulo e pinta todos com essa mesma cor;</a:t>
+            </a:r>
+          </a:p>
+          <a:p>
+            <a:pPr marL="580644" lvl="2" indent="-342900">
+              <a:buFont typeface="+mj-lt"/>
+              <a:buAutoNum type="arabicPeriod"/>
+            </a:pPr>
+            <a:endParaRPr lang="pt-PT" dirty="0" smtClean="0"/>
+          </a:p>
+          <a:p>
+            <a:pPr lvl="3">
+              <a:buFont typeface="+mj-lt"/>
+              <a:buAutoNum type="arabicPeriod"/>
+            </a:pPr>
+            <a:endParaRPr lang="pt-PT" dirty="0" smtClean="0"/>
+          </a:p>
+          <a:p>
+            <a:endParaRPr lang="pt-PT" dirty="0"/>
+          </a:p>
+        </p:txBody>
+      </p:sp>
+      <p:sp>
+        <p:nvSpPr>
+          <p:cNvPr id="4" name="Marcador de Posição do Rodapé 3"/>
+          <p:cNvSpPr>
+            <a:spLocks noGrp="1"/>
+          </p:cNvSpPr>
+          <p:nvPr>
+            <p:ph type="ftr" sz="quarter" idx="11"/>
+          </p:nvPr>
+        </p:nvSpPr>
+        <p:spPr/>
+        <p:txBody>
+          <a:bodyPr/>
+          <a:lstStyle/>
+          <a:p>
+            <a:r>
+              <a:rPr lang="pt-PT" smtClean="0"/>
+              <a:t>ESTIG 2010-2011 Pedro Faísco</a:t>
+            </a:r>
+            <a:endParaRPr lang="pt-PT"/>
+          </a:p>
+        </p:txBody>
+      </p:sp>
+    </p:spTree>
+    <p:extLst>
+      <p:ext uri="{BB962C8B-B14F-4D97-AF65-F5344CB8AC3E}">
+        <p14:creationId xmlns:p14="http://schemas.microsoft.com/office/powerpoint/2010/main" val="1036243072"/>
+      </p:ext>
+    </p:extLst>
+  </p:cSld>
+  <p:clrMapOvr>
+    <a:masterClrMapping/>
+  </p:clrMapOvr>
+  <p:timing>
+    <p:tnLst>
+      <p:par>
+        <p:cTn id="1" dur="indefinite" restart="never" nodeType="tmRoot"/>
+      </p:par>
+    </p:tnLst>
+  </p:timing>
+</p:sld>
+</file>
+
+<file path=ppt/slides/slide3.xml><?xml version="1.0" encoding="utf-8"?>
+<p:sld xmlns:a="http://schemas.openxmlformats.org/drawingml/2006/main" xmlns:r="http://schemas.openxmlformats.org/officeDocument/2006/relationships" xmlns:p="http://schemas.openxmlformats.org/presentationml/2006/main">
+  <p:cSld>
+    <p:spTree>
+      <p:nvGrpSpPr>
+        <p:cNvPr id="1" name=""/>
+        <p:cNvGrpSpPr/>
+        <p:nvPr/>
+      </p:nvGrpSpPr>
+      <p:grpSpPr>
+        <a:xfrm>
+          <a:off x="0" y="0"/>
+          <a:ext cx="0" cy="0"/>
+          <a:chOff x="0" y="0"/>
+          <a:chExt cx="0" cy="0"/>
+        </a:xfrm>
+      </p:grpSpPr>
+      <p:sp>
+        <p:nvSpPr>
+          <p:cNvPr id="2" name="Título 1"/>
+          <p:cNvSpPr>
+            <a:spLocks noGrp="1"/>
+          </p:cNvSpPr>
+          <p:nvPr>
+            <p:ph type="title"/>
+          </p:nvPr>
+        </p:nvSpPr>
+        <p:spPr/>
+        <p:txBody>
+          <a:bodyPr>
+            <a:normAutofit fontScale="90000"/>
+          </a:bodyPr>
+          <a:lstStyle/>
+          <a:p>
+            <a:pPr algn="ctr"/>
+            <a:r>
+              <a:rPr lang="pt-PT" dirty="0"/>
+              <a:t>Rotulagem dos </a:t>
+            </a:r>
+            <a:r>
+              <a:rPr lang="pt-PT" dirty="0" smtClean="0"/>
+              <a:t>Componentes</a:t>
+            </a:r>
+            <a:br>
+              <a:rPr lang="pt-PT" dirty="0" smtClean="0"/>
+            </a:br>
+            <a:r>
+              <a:rPr lang="pt-PT" dirty="0" smtClean="0"/>
+              <a:t> </a:t>
+            </a:r>
+            <a:r>
+              <a:rPr lang="pt-PT" dirty="0"/>
+              <a:t>Conexos em imagens</a:t>
+            </a:r>
+          </a:p>
+        </p:txBody>
+      </p:sp>
+      <p:sp>
+        <p:nvSpPr>
+          <p:cNvPr id="3" name="Marcador de Posição de Conteúdo 2"/>
+          <p:cNvSpPr>
+            <a:spLocks noGrp="1"/>
+          </p:cNvSpPr>
+          <p:nvPr>
+            <p:ph idx="1"/>
+          </p:nvPr>
+        </p:nvSpPr>
+        <p:spPr>
+          <a:xfrm>
+            <a:off x="827584" y="1988840"/>
+            <a:ext cx="7520940" cy="3579849"/>
+          </a:xfrm>
+        </p:spPr>
+        <p:txBody>
+          <a:bodyPr/>
+          <a:lstStyle/>
+          <a:p>
+            <a:r>
+              <a:rPr lang="pt-PT" dirty="0" smtClean="0"/>
+              <a:t>Vizinhos:</a:t>
+            </a:r>
+          </a:p>
+          <a:p>
+            <a:pPr>
+              <a:spcBef>
+                <a:spcPts val="300"/>
+              </a:spcBef>
+              <a:buClr>
+                <a:schemeClr val="accent2"/>
+              </a:buClr>
+              <a:buFont typeface="Wingdings" pitchFamily="2" charset="2"/>
+              <a:buChar char="§"/>
+            </a:pPr>
+            <a:r>
+              <a:rPr lang="pt-PT" b="0" dirty="0"/>
+              <a:t>A vermelho está marcado o pixel analisado</a:t>
+            </a:r>
+          </a:p>
+          <a:p>
+            <a:pPr>
+              <a:spcBef>
+                <a:spcPts val="300"/>
+              </a:spcBef>
+              <a:buClr>
+                <a:schemeClr val="accent2"/>
+              </a:buClr>
+              <a:buFont typeface="Wingdings" pitchFamily="2" charset="2"/>
+              <a:buChar char="§"/>
+            </a:pPr>
+            <a:r>
+              <a:rPr lang="pt-PT" b="0" dirty="0"/>
+              <a:t>Os outros com bolas são os seus quatro vizinhos</a:t>
+            </a:r>
+          </a:p>
+          <a:p>
+            <a:endParaRPr lang="pt-PT" b="0" dirty="0"/>
+          </a:p>
+          <a:p>
+            <a:endParaRPr lang="pt-PT" dirty="0" smtClean="0"/>
+          </a:p>
+        </p:txBody>
+      </p:sp>
+      <p:pic>
+        <p:nvPicPr>
+          <p:cNvPr id="1026" name="Picture 2"/>
+          <p:cNvPicPr>
+            <a:picLocks noChangeAspect="1" noChangeArrowheads="1"/>
+          </p:cNvPicPr>
+          <p:nvPr/>
+        </p:nvPicPr>
+        <p:blipFill>
+          <a:blip r:embed="rId2">
+            <a:extLst>
+              <a:ext uri="{28A0092B-C50C-407E-A947-70E740481C1C}">
+                <a14:useLocalDpi xmlns:a14="http://schemas.microsoft.com/office/drawing/2010/main" val="0"/>
+              </a:ext>
+            </a:extLst>
+          </a:blip>
+          <a:srcRect/>
+          <a:stretch>
+            <a:fillRect/>
+          </a:stretch>
+        </p:blipFill>
+        <p:spPr bwMode="auto">
+          <a:xfrm>
+            <a:off x="3807346" y="3445396"/>
+            <a:ext cx="952500" cy="952500"/>
+          </a:xfrm>
+          <a:prstGeom prst="rect">
+            <a:avLst/>
+          </a:prstGeom>
+          <a:noFill/>
+          <a:ln>
+            <a:noFill/>
+          </a:ln>
+          <a:effectLst/>
+          <a:extLst>
+            <a:ext uri="{909E8E84-426E-40DD-AFC4-6F175D3DCCD1}">
+              <a14:hiddenFill xmlns:a14="http://schemas.microsoft.com/office/drawing/2010/main">
+                <a:solidFill>
+                  <a:schemeClr val="accent1"/>
+                </a:solidFill>
+              </a14:hiddenFill>
+            </a:ext>
+            <a:ext uri="{91240B29-F687-4F45-9708-019B960494DF}">
+              <a14:hiddenLine xmlns:a14="http://schemas.microsoft.com/office/drawing/2010/main" w="9525">
+                <a:solidFill>
+                  <a:schemeClr val="tx1"/>
+                </a:solidFill>
+                <a:miter lim="800000"/>
+                <a:headEnd/>
+                <a:tailEnd/>
+              </a14:hiddenLine>
+            </a:ext>
+            <a:ext uri="{AF507438-7753-43E0-B8FC-AC1667EBCBE1}">
+              <a14:hiddenEffects xmlns:a14="http://schemas.microsoft.com/office/drawing/2010/main">
+                <a:effectLst>
+                  <a:outerShdw dist="35921" dir="2700000" algn="ctr" rotWithShape="0">
+                    <a:schemeClr val="bg2"/>
+                  </a:outerShdw>
+                </a:effectLst>
+              </a14:hiddenEffects>
+            </a:ext>
+          </a:extLst>
+        </p:spPr>
+      </p:pic>
+      <p:sp>
+        <p:nvSpPr>
+          <p:cNvPr id="4" name="Marcador de Posição do Rodapé 3"/>
+          <p:cNvSpPr>
+            <a:spLocks noGrp="1"/>
+          </p:cNvSpPr>
+          <p:nvPr>
+            <p:ph type="ftr" sz="quarter" idx="11"/>
+          </p:nvPr>
+        </p:nvSpPr>
+        <p:spPr/>
+        <p:txBody>
+          <a:bodyPr/>
+          <a:lstStyle/>
+          <a:p>
+            <a:r>
+              <a:rPr lang="pt-PT" smtClean="0"/>
+              <a:t>ESTIG 2010-2011 Pedro Faísco</a:t>
+            </a:r>
+            <a:endParaRPr lang="pt-PT"/>
+          </a:p>
+        </p:txBody>
+      </p:sp>
+    </p:spTree>
+    <p:extLst>
+      <p:ext uri="{BB962C8B-B14F-4D97-AF65-F5344CB8AC3E}">
+        <p14:creationId xmlns:p14="http://schemas.microsoft.com/office/powerpoint/2010/main" val="2867174980"/>
+      </p:ext>
+    </p:extLst>
+  </p:cSld>
+  <p:clrMapOvr>
+    <a:masterClrMapping/>
+  </p:clrMapOvr>
+  <p:timing>
+    <p:tnLst>
+      <p:par>
+        <p:cTn id="1" dur="indefinite" restart="never" nodeType="tmRoot"/>
+      </p:par>
+    </p:tnLst>
+  </p:timing>
+</p:sld>
+</file>
+
+<file path=ppt/slides/slide4.xml><?xml version="1.0" encoding="utf-8"?>
+<p:sld xmlns:a="http://schemas.openxmlformats.org/drawingml/2006/main" xmlns:r="http://schemas.openxmlformats.org/officeDocument/2006/relationships" xmlns:p="http://schemas.openxmlformats.org/presentationml/2006/main">
+  <p:cSld>
+    <p:spTree>
+      <p:nvGrpSpPr>
+        <p:cNvPr id="1" name=""/>
+        <p:cNvGrpSpPr/>
+        <p:nvPr/>
+      </p:nvGrpSpPr>
+      <p:grpSpPr>
+        <a:xfrm>
+          <a:off x="0" y="0"/>
+          <a:ext cx="0" cy="0"/>
+          <a:chOff x="0" y="0"/>
+          <a:chExt cx="0" cy="0"/>
+        </a:xfrm>
+      </p:grpSpPr>
+      <p:sp>
+        <p:nvSpPr>
+          <p:cNvPr id="2" name="Título 1"/>
+          <p:cNvSpPr>
+            <a:spLocks noGrp="1"/>
+          </p:cNvSpPr>
+          <p:nvPr>
+            <p:ph type="title"/>
+          </p:nvPr>
+        </p:nvSpPr>
+        <p:spPr/>
+        <p:txBody>
+          <a:bodyPr>
+            <a:normAutofit fontScale="90000"/>
+          </a:bodyPr>
+          <a:lstStyle/>
+          <a:p>
+            <a:pPr algn="ctr"/>
+            <a:r>
+              <a:rPr lang="pt-PT" dirty="0"/>
+              <a:t>Rotulagem dos </a:t>
+            </a:r>
+            <a:r>
+              <a:rPr lang="pt-PT" dirty="0" smtClean="0"/>
+              <a:t>Componentes</a:t>
+            </a:r>
+            <a:br>
+              <a:rPr lang="pt-PT" dirty="0" smtClean="0"/>
+            </a:br>
+            <a:r>
+              <a:rPr lang="pt-PT" dirty="0" smtClean="0"/>
+              <a:t> Conexos </a:t>
+            </a:r>
+            <a:r>
+              <a:rPr lang="pt-PT" dirty="0"/>
+              <a:t>em imagens</a:t>
+            </a:r>
+          </a:p>
+        </p:txBody>
+      </p:sp>
+      <p:sp>
+        <p:nvSpPr>
+          <p:cNvPr id="3" name="Marcador de Posição de Conteúdo 2"/>
+          <p:cNvSpPr>
+            <a:spLocks noGrp="1"/>
+          </p:cNvSpPr>
+          <p:nvPr>
+            <p:ph idx="1"/>
+          </p:nvPr>
+        </p:nvSpPr>
+        <p:spPr>
+          <a:xfrm>
+            <a:off x="797918" y="1772816"/>
+            <a:ext cx="7520940" cy="3579849"/>
+          </a:xfrm>
+        </p:spPr>
+        <p:txBody>
+          <a:bodyPr/>
+          <a:lstStyle/>
+          <a:p>
+            <a:r>
+              <a:rPr lang="pt-PT" dirty="0" smtClean="0"/>
+              <a:t>Exemplo de imagem computada pelo algoritmo</a:t>
+            </a:r>
+          </a:p>
+          <a:p>
+            <a:endParaRPr lang="pt-PT" dirty="0"/>
+          </a:p>
+        </p:txBody>
+      </p:sp>
+      <p:pic>
+        <p:nvPicPr>
+          <p:cNvPr id="2052" name="Picture 4" descr="C:\Users\Pedro\Downloads\eda\chave.jpg"/>
+          <p:cNvPicPr>
+            <a:picLocks noChangeAspect="1" noChangeArrowheads="1"/>
+          </p:cNvPicPr>
+          <p:nvPr/>
+        </p:nvPicPr>
+        <p:blipFill>
+          <a:blip r:embed="rId2">
+            <a:extLst>
+              <a:ext uri="{28A0092B-C50C-407E-A947-70E740481C1C}">
+                <a14:useLocalDpi xmlns:a14="http://schemas.microsoft.com/office/drawing/2010/main" val="0"/>
+              </a:ext>
+            </a:extLst>
+          </a:blip>
+          <a:srcRect/>
+          <a:stretch>
+            <a:fillRect/>
+          </a:stretch>
+        </p:blipFill>
+        <p:spPr bwMode="auto">
+          <a:xfrm>
+            <a:off x="794842" y="2708920"/>
+            <a:ext cx="3273612" cy="1987550"/>
+          </a:xfrm>
+          <a:prstGeom prst="rect">
+            <a:avLst/>
+          </a:prstGeom>
+          <a:noFill/>
+          <a:extLst>
+            <a:ext uri="{909E8E84-426E-40DD-AFC4-6F175D3DCCD1}">
+              <a14:hiddenFill xmlns:a14="http://schemas.microsoft.com/office/drawing/2010/main">
+                <a:solidFill>
+                  <a:srgbClr val="FFFFFF"/>
+                </a:solidFill>
+              </a14:hiddenFill>
+            </a:ext>
+          </a:extLst>
+        </p:spPr>
+      </p:pic>
+      <p:pic>
+        <p:nvPicPr>
+          <p:cNvPr id="2053" name="Picture 5" descr="C:\Users\Pedro\Downloads\eda\chave2_out.bmp"/>
+          <p:cNvPicPr>
+            <a:picLocks noChangeAspect="1" noChangeArrowheads="1"/>
+          </p:cNvPicPr>
+          <p:nvPr/>
+        </p:nvPicPr>
+        <p:blipFill>
+          <a:blip r:embed="rId3">
+            <a:extLst>
+              <a:ext uri="{28A0092B-C50C-407E-A947-70E740481C1C}">
+                <a14:useLocalDpi xmlns:a14="http://schemas.microsoft.com/office/drawing/2010/main" val="0"/>
+              </a:ext>
+            </a:extLst>
+          </a:blip>
+          <a:srcRect/>
+          <a:stretch>
+            <a:fillRect/>
+          </a:stretch>
+        </p:blipFill>
+        <p:spPr bwMode="auto">
+          <a:xfrm>
+            <a:off x="4932412" y="2702818"/>
+            <a:ext cx="3293713" cy="1999754"/>
+          </a:xfrm>
+          <a:prstGeom prst="rect">
+            <a:avLst/>
+          </a:prstGeom>
+          <a:noFill/>
+          <a:extLst>
+            <a:ext uri="{909E8E84-426E-40DD-AFC4-6F175D3DCCD1}">
+              <a14:hiddenFill xmlns:a14="http://schemas.microsoft.com/office/drawing/2010/main">
+                <a:solidFill>
+                  <a:srgbClr val="FFFFFF"/>
+                </a:solidFill>
+              </a14:hiddenFill>
+            </a:ext>
+          </a:extLst>
+        </p:spPr>
+      </p:pic>
+      <p:sp>
+        <p:nvSpPr>
+          <p:cNvPr id="4" name="Marcador de Posição do Rodapé 3"/>
+          <p:cNvSpPr>
+            <a:spLocks noGrp="1"/>
+          </p:cNvSpPr>
+          <p:nvPr>
+            <p:ph type="ftr" sz="quarter" idx="11"/>
+          </p:nvPr>
+        </p:nvSpPr>
+        <p:spPr/>
+        <p:txBody>
+          <a:bodyPr/>
+          <a:lstStyle/>
+          <a:p>
+            <a:r>
+              <a:rPr lang="pt-PT" smtClean="0"/>
+              <a:t>ESTIG 2010-2011 Pedro Faísco</a:t>
+            </a:r>
+            <a:endParaRPr lang="pt-PT"/>
+          </a:p>
+        </p:txBody>
+      </p:sp>
+    </p:spTree>
+    <p:extLst>
+      <p:ext uri="{BB962C8B-B14F-4D97-AF65-F5344CB8AC3E}">
+        <p14:creationId xmlns:p14="http://schemas.microsoft.com/office/powerpoint/2010/main" val="269478572"/>
+      </p:ext>
+    </p:extLst>
+  </p:cSld>
+  <p:clrMapOvr>
+    <a:masterClrMapping/>
+  </p:clrMapOvr>
+  <p:timing>
+    <p:tnLst>
+      <p:par>
+        <p:cTn id="1" dur="indefinite" restart="never" nodeType="tmRoot"/>
+      </p:par>
+    </p:tnLst>
+  </p:timing>
+</p:sld>
+</file>
+
+<file path=ppt/slides/slide5.xml><?xml version="1.0" encoding="utf-8"?>
+<p:sld xmlns:a="http://schemas.openxmlformats.org/drawingml/2006/main" xmlns:r="http://schemas.openxmlformats.org/officeDocument/2006/relationships" xmlns:p="http://schemas.openxmlformats.org/presentationml/2006/main">
+  <p:cSld>
+    <p:spTree>
+      <p:nvGrpSpPr>
+        <p:cNvPr id="1" name=""/>
+        <p:cNvGrpSpPr/>
+        <p:nvPr/>
+      </p:nvGrpSpPr>
+      <p:grpSpPr>
+        <a:xfrm>
+          <a:off x="0" y="0"/>
+          <a:ext cx="0" cy="0"/>
+          <a:chOff x="0" y="0"/>
+          <a:chExt cx="0" cy="0"/>
+        </a:xfrm>
+      </p:grpSpPr>
+      <p:sp>
+        <p:nvSpPr>
+          <p:cNvPr id="2" name="Título 1"/>
+          <p:cNvSpPr>
+            <a:spLocks noGrp="1"/>
+          </p:cNvSpPr>
+          <p:nvPr>
+            <p:ph type="title"/>
+          </p:nvPr>
+        </p:nvSpPr>
+        <p:spPr/>
+        <p:txBody>
+          <a:bodyPr/>
+          <a:lstStyle/>
+          <a:p>
+            <a:pPr algn="ctr"/>
+            <a:r>
+              <a:rPr lang="pt-PT" dirty="0"/>
+              <a:t>Rotulagem dos Componentes</a:t>
+            </a:r>
+            <a:br>
+              <a:rPr lang="pt-PT" dirty="0"/>
+            </a:br>
+            <a:r>
+              <a:rPr lang="pt-PT" dirty="0"/>
+              <a:t> Conexos em imagens</a:t>
+            </a:r>
+          </a:p>
+        </p:txBody>
+      </p:sp>
+      <p:sp>
+        <p:nvSpPr>
+          <p:cNvPr id="3" name="Marcador de Posição de Conteúdo 2"/>
+          <p:cNvSpPr>
+            <a:spLocks noGrp="1"/>
+          </p:cNvSpPr>
+          <p:nvPr>
+            <p:ph idx="1"/>
+          </p:nvPr>
+        </p:nvSpPr>
+        <p:spPr/>
+        <p:txBody>
+          <a:bodyPr/>
+          <a:lstStyle/>
+          <a:p>
+            <a:endParaRPr lang="pt-PT"/>
+          </a:p>
+        </p:txBody>
+      </p:sp>
+      <p:sp>
+        <p:nvSpPr>
+          <p:cNvPr id="4" name="Marcador de Posição do Rodapé 3"/>
+          <p:cNvSpPr>
+            <a:spLocks noGrp="1"/>
+          </p:cNvSpPr>
+          <p:nvPr>
+            <p:ph type="ftr" sz="quarter" idx="11"/>
+          </p:nvPr>
+        </p:nvSpPr>
+        <p:spPr/>
+        <p:txBody>
+          <a:bodyPr/>
+          <a:lstStyle/>
+          <a:p>
+            <a:r>
+              <a:rPr lang="pt-PT" smtClean="0"/>
+              <a:t>ESTIG 2010-2011 Pedro Faísco</a:t>
+            </a:r>
+            <a:endParaRPr lang="pt-PT"/>
+          </a:p>
+        </p:txBody>
+      </p:sp>
+    </p:spTree>
+    <p:extLst>
+      <p:ext uri="{BB962C8B-B14F-4D97-AF65-F5344CB8AC3E}">
+        <p14:creationId xmlns:p14="http://schemas.microsoft.com/office/powerpoint/2010/main" val="1517262123"/>
+      </p:ext>
+    </p:extLst>
+  </p:cSld>
+  <p:clrMapOvr>
+    <a:masterClrMapping/>
+  </p:clrMapOvr>
+  <p:timing>
+    <p:tnLst>
+      <p:par>
+        <p:cTn id="1" dur="indefinite" restart="never" nodeType="tmRoot"/>
+      </p:par>
+    </p:tnLst>
+  </p:timing>
+</p:sld>
+</file>
+
+<file path=ppt/slides/slide6.xml><?xml version="1.0" encoding="utf-8"?>
+<p:sld xmlns:a="http://schemas.openxmlformats.org/drawingml/2006/main" xmlns:r="http://schemas.openxmlformats.org/officeDocument/2006/relationships" xmlns:p="http://schemas.openxmlformats.org/presentationml/2006/main">
+  <p:cSld>
+    <p:spTree>
+      <p:nvGrpSpPr>
+        <p:cNvPr id="1" name=""/>
+        <p:cNvGrpSpPr/>
+        <p:nvPr/>
+      </p:nvGrpSpPr>
+      <p:grpSpPr>
+        <a:xfrm>
+          <a:off x="0" y="0"/>
+          <a:ext cx="0" cy="0"/>
+          <a:chOff x="0" y="0"/>
+          <a:chExt cx="0" cy="0"/>
+        </a:xfrm>
+      </p:grpSpPr>
+      <p:sp>
+        <p:nvSpPr>
+          <p:cNvPr id="2" name="Título 1"/>
+          <p:cNvSpPr>
+            <a:spLocks noGrp="1"/>
+          </p:cNvSpPr>
+          <p:nvPr>
+            <p:ph type="title"/>
+          </p:nvPr>
+        </p:nvSpPr>
+        <p:spPr/>
+        <p:txBody>
+          <a:bodyPr/>
+          <a:lstStyle/>
+          <a:p>
+            <a:pPr algn="ctr"/>
+            <a:r>
+              <a:rPr lang="pt-PT" dirty="0"/>
+              <a:t>Rotulagem dos Componentes</a:t>
+            </a:r>
+            <a:br>
+              <a:rPr lang="pt-PT" dirty="0"/>
+            </a:br>
+            <a:r>
+              <a:rPr lang="pt-PT" dirty="0"/>
+              <a:t> Conexos em imagens</a:t>
+            </a:r>
+          </a:p>
+        </p:txBody>
+      </p:sp>
+      <p:sp>
+        <p:nvSpPr>
+          <p:cNvPr id="3" name="Marcador de Posição de Conteúdo 2"/>
+          <p:cNvSpPr>
+            <a:spLocks noGrp="1"/>
+          </p:cNvSpPr>
+          <p:nvPr>
+            <p:ph idx="1"/>
+          </p:nvPr>
+        </p:nvSpPr>
+        <p:spPr/>
+        <p:txBody>
+          <a:bodyPr/>
+          <a:lstStyle/>
+          <a:p>
+            <a:endParaRPr lang="pt-PT"/>
+          </a:p>
+        </p:txBody>
+      </p:sp>
+      <p:sp>
+        <p:nvSpPr>
+          <p:cNvPr id="4" name="Marcador de Posição do Rodapé 3"/>
+          <p:cNvSpPr>
+            <a:spLocks noGrp="1"/>
+          </p:cNvSpPr>
+          <p:nvPr>
+            <p:ph type="ftr" sz="quarter" idx="11"/>
+          </p:nvPr>
+        </p:nvSpPr>
+        <p:spPr/>
+        <p:txBody>
+          <a:bodyPr/>
+          <a:lstStyle/>
+          <a:p>
+            <a:r>
+              <a:rPr lang="pt-PT" smtClean="0"/>
+              <a:t>ESTIG 2010-2011 Pedro Faísco</a:t>
+            </a:r>
+            <a:endParaRPr lang="pt-PT"/>
+          </a:p>
+        </p:txBody>
+      </p:sp>
+    </p:spTree>
+    <p:extLst>
+      <p:ext uri="{BB962C8B-B14F-4D97-AF65-F5344CB8AC3E}">
+        <p14:creationId xmlns:p14="http://schemas.microsoft.com/office/powerpoint/2010/main" val="844972681"/>
+      </p:ext>
+    </p:extLst>
+  </p:cSld>
+  <p:clrMapOvr>
+    <a:masterClrMapping/>
+  </p:clrMapOvr>
+  <p:timing>
+    <p:tnLst>
+      <p:par>
+        <p:cTn id="1" dur="indefinite" restart="never" nodeType="tmRoot"/>
+      </p:par>
+    </p:tnLst>
+  </p:timing>
+</p:sld>
+</file>
+
+<file path=ppt/slides/slide7.xml><?xml version="1.0" encoding="utf-8"?>
+<p:sld xmlns:a="http://schemas.openxmlformats.org/drawingml/2006/main" xmlns:r="http://schemas.openxmlformats.org/officeDocument/2006/relationships" xmlns:p="http://schemas.openxmlformats.org/presentationml/2006/main">
+  <p:cSld>
+    <p:spTree>
+      <p:nvGrpSpPr>
+        <p:cNvPr id="1" name=""/>
+        <p:cNvGrpSpPr/>
+        <p:nvPr/>
+      </p:nvGrpSpPr>
+      <p:grpSpPr>
+        <a:xfrm>
+          <a:off x="0" y="0"/>
+          <a:ext cx="0" cy="0"/>
+          <a:chOff x="0" y="0"/>
+          <a:chExt cx="0" cy="0"/>
+        </a:xfrm>
+      </p:grpSpPr>
+      <p:sp>
+        <p:nvSpPr>
+          <p:cNvPr id="2" name="Título 1"/>
+          <p:cNvSpPr>
+            <a:spLocks noGrp="1"/>
+          </p:cNvSpPr>
+          <p:nvPr>
+            <p:ph type="title"/>
+          </p:nvPr>
+        </p:nvSpPr>
+        <p:spPr/>
+        <p:txBody>
+          <a:bodyPr/>
+          <a:lstStyle/>
+          <a:p>
+            <a:pPr algn="ctr"/>
+            <a:r>
+              <a:rPr lang="pt-PT" dirty="0"/>
+              <a:t>Rotulagem dos Componentes</a:t>
+            </a:r>
+            <a:br>
+              <a:rPr lang="pt-PT" dirty="0"/>
+            </a:br>
+            <a:r>
+              <a:rPr lang="pt-PT" dirty="0"/>
+              <a:t> Conexos em imagens</a:t>
+            </a:r>
+          </a:p>
+        </p:txBody>
+      </p:sp>
+      <p:sp>
+        <p:nvSpPr>
+          <p:cNvPr id="3" name="Marcador de Posição de Conteúdo 2"/>
+          <p:cNvSpPr>
+            <a:spLocks noGrp="1"/>
+          </p:cNvSpPr>
+          <p:nvPr>
+            <p:ph idx="1"/>
+          </p:nvPr>
+        </p:nvSpPr>
+        <p:spPr/>
+        <p:txBody>
+          <a:bodyPr/>
+          <a:lstStyle/>
+          <a:p>
+            <a:endParaRPr lang="pt-PT"/>
+          </a:p>
+        </p:txBody>
+      </p:sp>
+      <p:sp>
+        <p:nvSpPr>
+          <p:cNvPr id="4" name="Marcador de Posição do Rodapé 3"/>
+          <p:cNvSpPr>
+            <a:spLocks noGrp="1"/>
+          </p:cNvSpPr>
+          <p:nvPr>
+            <p:ph type="ftr" sz="quarter" idx="11"/>
+          </p:nvPr>
+        </p:nvSpPr>
+        <p:spPr/>
+        <p:txBody>
+          <a:bodyPr/>
+          <a:lstStyle/>
+          <a:p>
+            <a:r>
+              <a:rPr lang="pt-PT" smtClean="0"/>
+              <a:t>ESTIG 2010-2011 Pedro Faísco</a:t>
+            </a:r>
+            <a:endParaRPr lang="pt-PT"/>
+          </a:p>
+        </p:txBody>
+      </p:sp>
+    </p:spTree>
+    <p:extLst>
+      <p:ext uri="{BB962C8B-B14F-4D97-AF65-F5344CB8AC3E}">
+        <p14:creationId xmlns:p14="http://schemas.microsoft.com/office/powerpoint/2010/main" val="844972681"/>
+      </p:ext>
+    </p:extLst>
+  </p:cSld>
+  <p:clrMapOvr>
+    <a:masterClrMapping/>
+  </p:clrMapOvr>
+  <p:timing>
+    <p:tnLst>
+      <p:par>
+        <p:cTn id="1" dur="indefinite" restart="never" nodeType="tmRoot"/>
+      </p:par>
+    </p:tnLst>
+  </p:timing>
+</p:sld>
+</file>
+
+<file path=ppt/slides/slide8.xml><?xml version="1.0" encoding="utf-8"?>
+<p:sld xmlns:a="http://schemas.openxmlformats.org/drawingml/2006/main" xmlns:r="http://schemas.openxmlformats.org/officeDocument/2006/relationships" xmlns:p="http://schemas.openxmlformats.org/presentationml/2006/main">
+  <p:cSld>
+    <p:spTree>
+      <p:nvGrpSpPr>
+        <p:cNvPr id="1" name=""/>
+        <p:cNvGrpSpPr/>
+        <p:nvPr/>
+      </p:nvGrpSpPr>
+      <p:grpSpPr>
+        <a:xfrm>
+          <a:off x="0" y="0"/>
+          <a:ext cx="0" cy="0"/>
+          <a:chOff x="0" y="0"/>
+          <a:chExt cx="0" cy="0"/>
+        </a:xfrm>
+      </p:grpSpPr>
+      <p:sp>
+        <p:nvSpPr>
+          <p:cNvPr id="2" name="Título 1"/>
+          <p:cNvSpPr>
+            <a:spLocks noGrp="1"/>
+          </p:cNvSpPr>
+          <p:nvPr>
+            <p:ph type="title"/>
+          </p:nvPr>
+        </p:nvSpPr>
+        <p:spPr/>
+        <p:txBody>
+          <a:bodyPr/>
+          <a:lstStyle/>
+          <a:p>
+            <a:pPr algn="ctr"/>
+            <a:r>
+              <a:rPr lang="pt-PT" dirty="0"/>
+              <a:t>Rotulagem dos Componentes</a:t>
+            </a:r>
+            <a:br>
+              <a:rPr lang="pt-PT" dirty="0"/>
+            </a:br>
+            <a:r>
+              <a:rPr lang="pt-PT" dirty="0"/>
+              <a:t> Conexos em imagens</a:t>
+            </a:r>
+          </a:p>
+        </p:txBody>
+      </p:sp>
+      <p:sp>
+        <p:nvSpPr>
+          <p:cNvPr id="3" name="Marcador de Posição de Conteúdo 2"/>
+          <p:cNvSpPr>
+            <a:spLocks noGrp="1"/>
+          </p:cNvSpPr>
+          <p:nvPr>
+            <p:ph idx="1"/>
+          </p:nvPr>
+        </p:nvSpPr>
+        <p:spPr/>
+        <p:txBody>
+          <a:bodyPr/>
+          <a:lstStyle/>
+          <a:p>
+            <a:endParaRPr lang="pt-PT"/>
+          </a:p>
+        </p:txBody>
+      </p:sp>
+      <p:sp>
+        <p:nvSpPr>
+          <p:cNvPr id="4" name="Marcador de Posição do Rodapé 3"/>
+          <p:cNvSpPr>
+            <a:spLocks noGrp="1"/>
+          </p:cNvSpPr>
+          <p:nvPr>
+            <p:ph type="ftr" sz="quarter" idx="11"/>
+          </p:nvPr>
+        </p:nvSpPr>
+        <p:spPr/>
+        <p:txBody>
+          <a:bodyPr/>
+          <a:lstStyle/>
+          <a:p>
+            <a:r>
+              <a:rPr lang="pt-PT" smtClean="0"/>
+              <a:t>ESTIG 2010-2011 Pedro Faísco</a:t>
+            </a:r>
+            <a:endParaRPr lang="pt-PT"/>
+          </a:p>
+        </p:txBody>
+      </p:sp>
+    </p:spTree>
+    <p:extLst>
+      <p:ext uri="{BB962C8B-B14F-4D97-AF65-F5344CB8AC3E}">
+        <p14:creationId xmlns:p14="http://schemas.microsoft.com/office/powerpoint/2010/main" val="844972681"/>
+      </p:ext>
+    </p:extLst>
+  </p:cSld>
+  <p:clrMapOvr>
+    <a:masterClrMapping/>
+  </p:clrMapOvr>
+  <p:timing>
+    <p:tnLst>
+      <p:par>
+        <p:cTn id="1" dur="indefinite" restart="never" nodeType="tmRoot"/>
+      </p:par>
+    </p:tnLst>
+  </p:timing>
+</p:sld>
+</file>
+
+<file path=ppt/slides/slide9.xml><?xml version="1.0" encoding="utf-8"?>
+<p:sld xmlns:a="http://schemas.openxmlformats.org/drawingml/2006/main" xmlns:r="http://schemas.openxmlformats.org/officeDocument/2006/relationships" xmlns:p="http://schemas.openxmlformats.org/presentationml/2006/main">
+  <p:cSld>
+    <p:spTree>
+      <p:nvGrpSpPr>
+        <p:cNvPr id="1" name=""/>
+        <p:cNvGrpSpPr/>
+        <p:nvPr/>
+      </p:nvGrpSpPr>
+      <p:grpSpPr>
+        <a:xfrm>
+          <a:off x="0" y="0"/>
+          <a:ext cx="0" cy="0"/>
+          <a:chOff x="0" y="0"/>
+          <a:chExt cx="0" cy="0"/>
+        </a:xfrm>
+      </p:grpSpPr>
+      <p:sp>
+        <p:nvSpPr>
+          <p:cNvPr id="2" name="Título 1"/>
+          <p:cNvSpPr>
+            <a:spLocks noGrp="1"/>
+          </p:cNvSpPr>
+          <p:nvPr>
+            <p:ph type="title"/>
+          </p:nvPr>
+        </p:nvSpPr>
+        <p:spPr/>
+        <p:txBody>
+          <a:bodyPr/>
+          <a:lstStyle/>
+          <a:p>
+            <a:pPr algn="ctr"/>
+            <a:r>
+              <a:rPr lang="pt-PT" dirty="0"/>
+              <a:t>Rotulagem dos Componentes</a:t>
+            </a:r>
+            <a:br>
+              <a:rPr lang="pt-PT" dirty="0"/>
+            </a:br>
+            <a:r>
+              <a:rPr lang="pt-PT" dirty="0"/>
+              <a:t> Conexos em imagens</a:t>
+            </a:r>
+          </a:p>
+        </p:txBody>
+      </p:sp>
+      <p:sp>
+        <p:nvSpPr>
+          <p:cNvPr id="3" name="Marcador de Posição de Conteúdo 2"/>
+          <p:cNvSpPr>
+            <a:spLocks noGrp="1"/>
+          </p:cNvSpPr>
+          <p:nvPr>
+            <p:ph idx="1"/>
+          </p:nvPr>
+        </p:nvSpPr>
+        <p:spPr/>
+        <p:txBody>
+          <a:bodyPr/>
+          <a:lstStyle/>
+          <a:p>
+            <a:endParaRPr lang="pt-PT"/>
+          </a:p>
+        </p:txBody>
+      </p:sp>
+      <p:sp>
+        <p:nvSpPr>
+          <p:cNvPr id="4" name="Marcador de Posição do Rodapé 3"/>
+          <p:cNvSpPr>
+            <a:spLocks noGrp="1"/>
+          </p:cNvSpPr>
+          <p:nvPr>
+            <p:ph type="ftr" sz="quarter" idx="11"/>
+          </p:nvPr>
+        </p:nvSpPr>
+        <p:spPr/>
+        <p:txBody>
+          <a:bodyPr/>
+          <a:lstStyle/>
+          <a:p>
+            <a:r>
+              <a:rPr lang="pt-PT" smtClean="0"/>
+              <a:t>ESTIG 2010-2011 Pedro Faísco</a:t>
+            </a:r>
+            <a:endParaRPr lang="pt-PT"/>
+          </a:p>
+        </p:txBody>
+      </p:sp>
+    </p:spTree>
+    <p:extLst>
+      <p:ext uri="{BB962C8B-B14F-4D97-AF65-F5344CB8AC3E}">
+        <p14:creationId xmlns:p14="http://schemas.microsoft.com/office/powerpoint/2010/main" val="844972681"/>
+      </p:ext>
+    </p:extLst>
+  </p:cSld>
+  <p:clrMapOvr>
+    <a:masterClrMapping/>
+  </p:clrMapOvr>
+  <p:timing>
+    <p:tnLst>
+      <p:par>
+        <p:cTn id="1" dur="indefinite" restart="never" nodeType="tmRoot"/>
+      </p:par>
+    </p:tnLst>
+  </p:timing>
 </p:sld>
 </file>
 
 <file path=ppt/theme/theme1.xml><?xml version="1.0" encoding="utf-8"?>
 <a:theme xmlns:a="http://schemas.openxmlformats.org/drawingml/2006/main" name="Ângulos">
   <a:themeElements>
-    <a:clrScheme name="Ângulos">
+    <a:clrScheme name="Cívico">
       <a:dk1>
-        <a:srgbClr val="000000"/>
+        <a:sysClr val="windowText" lastClr="000000"/>
       </a:dk1>
       <a:lt1>
-        <a:srgbClr val="FFFFFF"/>
+        <a:sysClr val="window" lastClr="FFFFFF"/>
       </a:lt1>
       <a:dk2>
-        <a:srgbClr val="434342"/>
+        <a:srgbClr val="646B86"/>
       </a:dk2>
       <a:lt2>
-        <a:srgbClr val="CDD7D9"/>
+        <a:srgbClr val="C5D1D7"/>
       </a:lt2>
       <a:accent1>
-        <a:srgbClr val="797B7E"/>
+        <a:srgbClr val="D16349"/>
       </a:accent1>
       <a:accent2>
-        <a:srgbClr val="F96A1B"/>
+        <a:srgbClr val="CCB400"/>
       </a:accent2>
       <a:accent3>
-        <a:srgbClr val="08A1D9"/>
+        <a:srgbClr val="8CADAE"/>
       </a:accent3>
       <a:accent4>
-        <a:srgbClr val="7C984A"/>
+        <a:srgbClr val="8C7B70"/>
       </a:accent4>
       <a:accent5>
-        <a:srgbClr val="C2AD8D"/>
+        <a:srgbClr val="8FB08C"/>
       </a:accent5>
       <a:accent6>
-        <a:srgbClr val="506E94"/>
+        <a:srgbClr val="D19049"/>
       </a:accent6>
       <a:hlink>
-        <a:srgbClr val="5F5F5F"/>
+        <a:srgbClr val="00A3D6"/>
       </a:hlink>
       <a:folHlink>
-        <a:srgbClr val="969696"/>
+        <a:srgbClr val="694F07"/>
       </a:folHlink>
     </a:clrScheme>
     <a:fontScheme name="Ângulos">
@@ -5224,4 +6958,289 @@
   <a:objectDefaults/>
   <a:extraClrSchemeLst/>
 </a:theme>
+</file>
+
+<file path=ppt/theme/theme2.xml><?xml version="1.0" encoding="utf-8"?>
+<a:theme xmlns:a="http://schemas.openxmlformats.org/drawingml/2006/main" name="Tema do Office">
+  <a:themeElements>
+    <a:clrScheme name="Office">
+      <a:dk1>
+        <a:sysClr val="windowText" lastClr="000000"/>
+      </a:dk1>
+      <a:lt1>
+        <a:sysClr val="window" lastClr="FFFFFF"/>
+      </a:lt1>
+      <a:dk2>
+        <a:srgbClr val="1F497D"/>
+      </a:dk2>
+      <a:lt2>
+        <a:srgbClr val="EEECE1"/>
+      </a:lt2>
+      <a:accent1>
+        <a:srgbClr val="4F81BD"/>
+      </a:accent1>
+      <a:accent2>
+        <a:srgbClr val="C0504D"/>
+      </a:accent2>
+      <a:accent3>
+        <a:srgbClr val="9BBB59"/>
+      </a:accent3>
+      <a:accent4>
+        <a:srgbClr val="8064A2"/>
+      </a:accent4>
+      <a:accent5>
+        <a:srgbClr val="4BACC6"/>
+      </a:accent5>
+      <a:accent6>
+        <a:srgbClr val="F79646"/>
+      </a:accent6>
+      <a:hlink>
+        <a:srgbClr val="0000FF"/>
+      </a:hlink>
+      <a:folHlink>
+        <a:srgbClr val="800080"/>
+      </a:folHlink>
+    </a:clrScheme>
+    <a:fontScheme name="Office">
+      <a:majorFont>
+        <a:latin typeface="Calibri"/>
+        <a:ea typeface=""/>
+        <a:cs typeface=""/>
+        <a:font script="Jpan" typeface="ＭＳ Ｐゴシック"/>
+        <a:font script="Hang" typeface="맑은 고딕"/>
+        <a:font script="Hans" typeface="宋体"/>
+        <a:font script="Hant" typeface="新細明體"/>
+        <a:font script="Arab" typeface="Times New Roman"/>
+        <a:font script="Hebr" typeface="Times New Roman"/>
+        <a:font script="Thai" typeface="Angsana New"/>
+        <a:font script="Ethi" typeface="Nyala"/>
+        <a:font script="Beng" typeface="Vrinda"/>
+        <a:font script="Gujr" typeface="Shruti"/>
+        <a:font script="Khmr" typeface="MoolBoran"/>
+        <a:font script="Knda" typeface="Tunga"/>
+        <a:font script="Guru" typeface="Raavi"/>
+        <a:font script="Cans" typeface="Euphemia"/>
+        <a:font script="Cher" typeface="Plantagenet Cherokee"/>
+        <a:font script="Yiii" typeface="Microsoft Yi Baiti"/>
+        <a:font script="Tibt" typeface="Microsoft Himalaya"/>
+        <a:font script="Thaa" typeface="MV Boli"/>
+        <a:font script="Deva" typeface="Mangal"/>
+        <a:font script="Telu" typeface="Gautami"/>
+        <a:font script="Taml" typeface="Latha"/>
+        <a:font script="Syrc" typeface="Estrangelo Edessa"/>
+        <a:font script="Orya" typeface="Kalinga"/>
+        <a:font script="Mlym" typeface="Kartika"/>
+        <a:font script="Laoo" typeface="DokChampa"/>
+        <a:font script="Sinh" typeface="Iskoola Pota"/>
+        <a:font script="Mong" typeface="Mongolian Baiti"/>
+        <a:font script="Viet" typeface="Times New Roman"/>
+        <a:font script="Uigh" typeface="Microsoft Uighur"/>
+        <a:font script="Geor" typeface="Sylfaen"/>
+      </a:majorFont>
+      <a:minorFont>
+        <a:latin typeface="Calibri"/>
+        <a:ea typeface=""/>
+        <a:cs typeface=""/>
+        <a:font script="Jpan" typeface="ＭＳ Ｐゴシック"/>
+        <a:font script="Hang" typeface="맑은 고딕"/>
+        <a:font script="Hans" typeface="宋体"/>
+        <a:font script="Hant" typeface="新細明體"/>
+        <a:font script="Arab" typeface="Arial"/>
+        <a:font script="Hebr" typeface="Arial"/>
+        <a:font script="Thai" typeface="Cordia New"/>
+        <a:font script="Ethi" typeface="Nyala"/>
+        <a:font script="Beng" typeface="Vrinda"/>
+        <a:font script="Gujr" typeface="Shruti"/>
+        <a:font script="Khmr" typeface="DaunPenh"/>
+        <a:font script="Knda" typeface="Tunga"/>
+        <a:font script="Guru" typeface="Raavi"/>
+        <a:font script="Cans" typeface="Euphemia"/>
+        <a:font script="Cher" typeface="Plantagenet Cherokee"/>
+        <a:font script="Yiii" typeface="Microsoft Yi Baiti"/>
+        <a:font script="Tibt" typeface="Microsoft Himalaya"/>
+        <a:font script="Thaa" typeface="MV Boli"/>
+        <a:font script="Deva" typeface="Mangal"/>
+        <a:font script="Telu" typeface="Gautami"/>
+        <a:font script="Taml" typeface="Latha"/>
+        <a:font script="Syrc" typeface="Estrangelo Edessa"/>
+        <a:font script="Orya" typeface="Kalinga"/>
+        <a:font script="Mlym" typeface="Kartika"/>
+        <a:font script="Laoo" typeface="DokChampa"/>
+        <a:font script="Sinh" typeface="Iskoola Pota"/>
+        <a:font script="Mong" typeface="Mongolian Baiti"/>
+        <a:font script="Viet" typeface="Arial"/>
+        <a:font script="Uigh" typeface="Microsoft Uighur"/>
+        <a:font script="Geor" typeface="Sylfaen"/>
+      </a:minorFont>
+    </a:fontScheme>
+    <a:fmtScheme name="Office">
+      <a:fillStyleLst>
+        <a:solidFill>
+          <a:schemeClr val="phClr"/>
+        </a:solidFill>
+        <a:gradFill rotWithShape="1">
+          <a:gsLst>
+            <a:gs pos="0">
+              <a:schemeClr val="phClr">
+                <a:tint val="50000"/>
+                <a:satMod val="300000"/>
+              </a:schemeClr>
+            </a:gs>
+            <a:gs pos="35000">
+              <a:schemeClr val="phClr">
+                <a:tint val="37000"/>
+                <a:satMod val="300000"/>
+              </a:schemeClr>
+            </a:gs>
+            <a:gs pos="100000">
+              <a:schemeClr val="phClr">
+                <a:tint val="15000"/>
+                <a:satMod val="350000"/>
+              </a:schemeClr>
+            </a:gs>
+          </a:gsLst>
+          <a:lin ang="16200000" scaled="1"/>
+        </a:gradFill>
+        <a:gradFill rotWithShape="1">
+          <a:gsLst>
+            <a:gs pos="0">
+              <a:schemeClr val="phClr">
+                <a:shade val="51000"/>
+                <a:satMod val="130000"/>
+              </a:schemeClr>
+            </a:gs>
+            <a:gs pos="80000">
+              <a:schemeClr val="phClr">
+                <a:shade val="93000"/>
+                <a:satMod val="130000"/>
+              </a:schemeClr>
+            </a:gs>
+            <a:gs pos="100000">
+              <a:schemeClr val="phClr">
+                <a:shade val="94000"/>
+                <a:satMod val="135000"/>
+              </a:schemeClr>
+            </a:gs>
+          </a:gsLst>
+          <a:lin ang="16200000" scaled="0"/>
+        </a:gradFill>
+      </a:fillStyleLst>
+      <a:lnStyleLst>
+        <a:ln w="9525" cap="flat" cmpd="sng" algn="ctr">
+          <a:solidFill>
+            <a:schemeClr val="phClr">
+              <a:shade val="95000"/>
+              <a:satMod val="105000"/>
+            </a:schemeClr>
+          </a:solidFill>
+          <a:prstDash val="solid"/>
+        </a:ln>
+        <a:ln w="25400" cap="flat" cmpd="sng" algn="ctr">
+          <a:solidFill>
+            <a:schemeClr val="phClr"/>
+          </a:solidFill>
+          <a:prstDash val="solid"/>
+        </a:ln>
+        <a:ln w="38100" cap="flat" cmpd="sng" algn="ctr">
+          <a:solidFill>
+            <a:schemeClr val="phClr"/>
+          </a:solidFill>
+          <a:prstDash val="solid"/>
+        </a:ln>
+      </a:lnStyleLst>
+      <a:effectStyleLst>
+        <a:effectStyle>
+          <a:effectLst>
+            <a:outerShdw blurRad="40000" dist="20000" dir="5400000" rotWithShape="0">
+              <a:srgbClr val="000000">
+                <a:alpha val="38000"/>
+              </a:srgbClr>
+            </a:outerShdw>
+          </a:effectLst>
+        </a:effectStyle>
+        <a:effectStyle>
+          <a:effectLst>
+            <a:outerShdw blurRad="40000" dist="23000" dir="5400000" rotWithShape="0">
+              <a:srgbClr val="000000">
+                <a:alpha val="35000"/>
+              </a:srgbClr>
+            </a:outerShdw>
+          </a:effectLst>
+        </a:effectStyle>
+        <a:effectStyle>
+          <a:effectLst>
+            <a:outerShdw blurRad="40000" dist="23000" dir="5400000" rotWithShape="0">
+              <a:srgbClr val="000000">
+                <a:alpha val="35000"/>
+              </a:srgbClr>
+            </a:outerShdw>
+          </a:effectLst>
+          <a:scene3d>
+            <a:camera prst="orthographicFront">
+              <a:rot lat="0" lon="0" rev="0"/>
+            </a:camera>
+            <a:lightRig rig="threePt" dir="t">
+              <a:rot lat="0" lon="0" rev="1200000"/>
+            </a:lightRig>
+          </a:scene3d>
+          <a:sp3d>
+            <a:bevelT w="63500" h="25400"/>
+          </a:sp3d>
+        </a:effectStyle>
+      </a:effectStyleLst>
+      <a:bgFillStyleLst>
+        <a:solidFill>
+          <a:schemeClr val="phClr"/>
+        </a:solidFill>
+        <a:gradFill rotWithShape="1">
+          <a:gsLst>
+            <a:gs pos="0">
+              <a:schemeClr val="phClr">
+                <a:tint val="40000"/>
+                <a:satMod val="350000"/>
+              </a:schemeClr>
+            </a:gs>
+            <a:gs pos="40000">
+              <a:schemeClr val="phClr">
+                <a:tint val="45000"/>
+                <a:shade val="99000"/>
+                <a:satMod val="350000"/>
+              </a:schemeClr>
+            </a:gs>
+            <a:gs pos="100000">
+              <a:schemeClr val="phClr">
+                <a:shade val="20000"/>
+                <a:satMod val="255000"/>
+              </a:schemeClr>
+            </a:gs>
+          </a:gsLst>
+          <a:path path="circle">
+            <a:fillToRect l="50000" t="-80000" r="50000" b="180000"/>
+          </a:path>
+        </a:gradFill>
+        <a:gradFill rotWithShape="1">
+          <a:gsLst>
+            <a:gs pos="0">
+              <a:schemeClr val="phClr">
+                <a:tint val="80000"/>
+                <a:satMod val="300000"/>
+              </a:schemeClr>
+            </a:gs>
+            <a:gs pos="100000">
+              <a:schemeClr val="phClr">
+                <a:shade val="30000"/>
+                <a:satMod val="200000"/>
+              </a:schemeClr>
+            </a:gs>
+          </a:gsLst>
+          <a:path path="circle">
+            <a:fillToRect l="50000" t="50000" r="50000" b="50000"/>
+          </a:path>
+        </a:gradFill>
+      </a:bgFillStyleLst>
+    </a:fmtScheme>
+  </a:themeElements>
+  <a:objectDefaults/>
+  <a:extraClrSchemeLst/>
+</a:theme>
 </file>